--- a/Slides/20486Core_05.pptx
+++ b/Slides/20486Core_05.pptx
@@ -322,7 +322,7 @@
             <a:fld id="{D4B55711-8B4A-42DA-9E0E-EE22F4A7C5EB}" type="datetimeFigureOut">
               <a:rPr lang="en-US" smtClean="0"/>
               <a:pPr/>
-              <a:t>11/28/2016</a:t>
+              <a:t>12/20/2016</a:t>
             </a:fld>
             <a:endParaRPr lang="en-US"/>
           </a:p>
@@ -8858,11 +8858,7 @@
           <a:p>
             <a:r>
               <a:rPr lang="nl-NL" dirty="0" smtClean="0"/>
-              <a:t>http</a:t>
-            </a:r>
-            <a:r>
-              <a:rPr lang="nl-NL" dirty="0" smtClean="0"/>
-              <a:t>://www.davepaquette.com/archive/2015/05/05/web-optimization-development-and-production-in-asp-net-mvc6.aspx</a:t>
+              <a:t>http://www.davepaquette.com/archive/2015/05/05/web-optimization-development-and-production-in-asp-net-mvc6.aspx</a:t>
             </a:r>
             <a:endParaRPr lang="nl-NL" dirty="0"/>
           </a:p>
@@ -20002,24 +19998,20 @@
             <a:spLocks noGrp="1"/>
           </p:cNvSpPr>
           <p:nvPr>
-            <p:ph type="ctrTitle" sz="quarter"/>
+            <p:ph type="title"/>
           </p:nvPr>
         </p:nvSpPr>
-        <p:spPr>
-          <a:xfrm>
-            <a:off x="3106782" y="3169492"/>
-            <a:ext cx="5732417" cy="340093"/>
-          </a:xfrm>
-        </p:spPr>
+        <p:spPr/>
         <p:txBody>
           <a:bodyPr/>
           <a:lstStyle/>
           <a:p>
-            <a:r>
-              <a:rPr lang="en-US" sz="2600" smtClean="0"/>
+            <a:pPr algn="ctr"/>
+            <a:r>
+              <a:rPr lang="en-US" sz="2600" dirty="0" smtClean="0"/>
               <a:t>Module05</a:t>
             </a:r>
-            <a:endParaRPr lang="en-US" sz="2600"/>
+            <a:endParaRPr lang="en-US" sz="2600" dirty="0"/>
           </a:p>
         </p:txBody>
       </p:sp>
@@ -20030,20 +20022,46 @@
             <a:spLocks noGrp="1"/>
           </p:cNvSpPr>
           <p:nvPr>
-            <p:ph type="subTitle" sz="quarter" idx="1"/>
+            <p:ph idx="1"/>
           </p:nvPr>
         </p:nvSpPr>
         <p:spPr/>
         <p:txBody>
-          <a:bodyPr/>
+          <a:bodyPr anchor="ctr"/>
           <a:lstStyle/>
           <a:p>
-            <a:r>
-              <a:rPr lang="en-US" dirty="0" smtClean="0"/>
-              <a:t>Developing ASP.NET MVC Core Views
-</a:t>
-            </a:r>
-            <a:endParaRPr lang="en-US" dirty="0"/>
+            <a:pPr marL="0" indent="0" algn="ctr">
+              <a:buNone/>
+            </a:pPr>
+            <a:r>
+              <a:rPr lang="en-US" sz="4400" dirty="0" smtClean="0"/>
+              <a:t>Developing </a:t>
+            </a:r>
+            <a:endParaRPr lang="en-US" sz="4400" dirty="0" smtClean="0"/>
+          </a:p>
+          <a:p>
+            <a:pPr marL="0" indent="0" algn="ctr">
+              <a:buNone/>
+            </a:pPr>
+            <a:r>
+              <a:rPr lang="en-US" sz="4400" dirty="0" smtClean="0"/>
+              <a:t>ASP.NET </a:t>
+            </a:r>
+            <a:r>
+              <a:rPr lang="en-US" sz="4400" dirty="0" smtClean="0"/>
+              <a:t>MVC Core </a:t>
+            </a:r>
+            <a:endParaRPr lang="en-US" sz="4400" dirty="0" smtClean="0"/>
+          </a:p>
+          <a:p>
+            <a:pPr marL="0" indent="0" algn="ctr">
+              <a:buNone/>
+            </a:pPr>
+            <a:r>
+              <a:rPr lang="en-US" sz="4400" dirty="0" smtClean="0"/>
+              <a:t>Views</a:t>
+            </a:r>
+            <a:endParaRPr lang="en-US" sz="4400" dirty="0"/>
           </a:p>
         </p:txBody>
       </p:sp>
@@ -33839,7 +33857,11 @@
           </p:cNvGraphicFramePr>
           <p:nvPr>
             <p:ph idx="1"/>
-            <p:extLst/>
+            <p:extLst>
+              <p:ext uri="{D42A27DB-BD31-4B8C-83A1-F6EECF244321}">
+                <p14:modId xmlns:p14="http://schemas.microsoft.com/office/powerpoint/2010/main" val="1180745853"/>
+              </p:ext>
+            </p:extLst>
           </p:nvPr>
         </p:nvGraphicFramePr>
         <p:xfrm>
@@ -33850,7 +33872,7 @@
           <a:graphicData uri="http://schemas.openxmlformats.org/drawingml/2006/table">
             <a:tbl>
               <a:tblPr firstRow="1" bandRow="1">
-                <a:tableStyleId>{5C22544A-7EE6-4342-B048-85BDC9FD1C3A}</a:tableStyleId>
+                <a:tableStyleId>{93296810-A885-4BE3-A3E7-6D5BEEA58F35}</a:tableStyleId>
               </a:tblPr>
               <a:tblGrid>
                 <a:gridCol w="4114800">
@@ -33876,12 +33898,15 @@
                     <a:p>
                       <a:pPr algn="l" fontAlgn="ctr"/>
                       <a:r>
-                        <a:rPr lang="nl-NL" b="1" dirty="0">
+                        <a:rPr lang="nl-NL" dirty="0">
                           <a:effectLst/>
-                          <a:latin typeface="inherit"/>
                         </a:rPr>
                         <a:t>.NET Type</a:t>
                       </a:r>
+                      <a:endParaRPr lang="nl-NL" b="1" dirty="0">
+                        <a:effectLst/>
+                        <a:latin typeface="inherit"/>
+                      </a:endParaRPr>
                     </a:p>
                   </a:txBody>
                   <a:tcPr anchor="ctr"/>
@@ -33893,12 +33918,15 @@
                     <a:p>
                       <a:pPr algn="l" fontAlgn="ctr"/>
                       <a:r>
-                        <a:rPr lang="nl-NL" b="1">
+                        <a:rPr lang="nl-NL">
                           <a:effectLst/>
-                          <a:latin typeface="inherit"/>
                         </a:rPr>
                         <a:t>Input Type</a:t>
                       </a:r>
+                      <a:endParaRPr lang="nl-NL" b="1">
+                        <a:effectLst/>
+                        <a:latin typeface="inherit"/>
+                      </a:endParaRPr>
                     </a:p>
                   </a:txBody>
                   <a:tcPr anchor="ctr"/>
@@ -33917,12 +33945,15 @@
                     <a:p>
                       <a:pPr algn="l" fontAlgn="ctr"/>
                       <a:r>
-                        <a:rPr lang="nl-NL" b="0">
+                        <a:rPr lang="nl-NL">
                           <a:effectLst/>
-                          <a:latin typeface="inherit"/>
                         </a:rPr>
                         <a:t>String</a:t>
                       </a:r>
+                      <a:endParaRPr lang="nl-NL" b="0">
+                        <a:effectLst/>
+                        <a:latin typeface="inherit"/>
+                      </a:endParaRPr>
                     </a:p>
                   </a:txBody>
                   <a:tcPr marT="95250" marB="95250" anchor="ctr"/>
@@ -33934,12 +33965,15 @@
                     <a:p>
                       <a:pPr algn="l" fontAlgn="ctr"/>
                       <a:r>
-                        <a:rPr lang="nl-NL" b="0">
+                        <a:rPr lang="nl-NL">
                           <a:effectLst/>
-                          <a:latin typeface="inherit"/>
                         </a:rPr>
                         <a:t>type=”text”</a:t>
                       </a:r>
+                      <a:endParaRPr lang="nl-NL" b="0">
+                        <a:effectLst/>
+                        <a:latin typeface="inherit"/>
+                      </a:endParaRPr>
                     </a:p>
                   </a:txBody>
                   <a:tcPr marT="95250" marB="95250" anchor="ctr"/>
@@ -33958,12 +33992,15 @@
                     <a:p>
                       <a:pPr algn="l" fontAlgn="ctr"/>
                       <a:r>
-                        <a:rPr lang="nl-NL" b="0">
+                        <a:rPr lang="nl-NL">
                           <a:effectLst/>
-                          <a:latin typeface="inherit"/>
                         </a:rPr>
                         <a:t>DateTime</a:t>
                       </a:r>
+                      <a:endParaRPr lang="nl-NL" b="0">
+                        <a:effectLst/>
+                        <a:latin typeface="inherit"/>
+                      </a:endParaRPr>
                     </a:p>
                   </a:txBody>
                   <a:tcPr marT="95250" marB="95250" anchor="ctr"/>
@@ -33975,12 +34012,15 @@
                     <a:p>
                       <a:pPr algn="l" fontAlgn="ctr"/>
                       <a:r>
-                        <a:rPr lang="nl-NL" b="0">
+                        <a:rPr lang="nl-NL">
                           <a:effectLst/>
-                          <a:latin typeface="inherit"/>
                         </a:rPr>
                         <a:t>type=”datetime”</a:t>
                       </a:r>
+                      <a:endParaRPr lang="nl-NL" b="0">
+                        <a:effectLst/>
+                        <a:latin typeface="inherit"/>
+                      </a:endParaRPr>
                     </a:p>
                   </a:txBody>
                   <a:tcPr marT="95250" marB="95250" anchor="ctr"/>
@@ -33999,12 +34039,15 @@
                     <a:p>
                       <a:pPr algn="l" fontAlgn="ctr"/>
                       <a:r>
-                        <a:rPr lang="nl-NL" b="0" dirty="0">
+                        <a:rPr lang="nl-NL" dirty="0">
                           <a:effectLst/>
-                          <a:latin typeface="inherit"/>
                         </a:rPr>
                         <a:t>Byte</a:t>
                       </a:r>
+                      <a:endParaRPr lang="nl-NL" b="0" dirty="0">
+                        <a:effectLst/>
+                        <a:latin typeface="inherit"/>
+                      </a:endParaRPr>
                     </a:p>
                   </a:txBody>
                   <a:tcPr marT="95250" marB="95250" anchor="ctr"/>
@@ -34016,12 +34059,15 @@
                     <a:p>
                       <a:pPr algn="l" fontAlgn="ctr"/>
                       <a:r>
-                        <a:rPr lang="nl-NL" b="0">
+                        <a:rPr lang="nl-NL">
                           <a:effectLst/>
-                          <a:latin typeface="inherit"/>
                         </a:rPr>
                         <a:t>type=”number”</a:t>
                       </a:r>
+                      <a:endParaRPr lang="nl-NL" b="0">
+                        <a:effectLst/>
+                        <a:latin typeface="inherit"/>
+                      </a:endParaRPr>
                     </a:p>
                   </a:txBody>
                   <a:tcPr marT="95250" marB="95250" anchor="ctr"/>
@@ -34040,12 +34086,15 @@
                     <a:p>
                       <a:pPr algn="l" fontAlgn="ctr"/>
                       <a:r>
-                        <a:rPr lang="nl-NL" b="0">
+                        <a:rPr lang="nl-NL">
                           <a:effectLst/>
-                          <a:latin typeface="inherit"/>
                         </a:rPr>
                         <a:t>Int16, Int32, Int64</a:t>
                       </a:r>
+                      <a:endParaRPr lang="nl-NL" b="0">
+                        <a:effectLst/>
+                        <a:latin typeface="inherit"/>
+                      </a:endParaRPr>
                     </a:p>
                   </a:txBody>
                   <a:tcPr marT="95250" marB="95250" anchor="ctr"/>
@@ -34057,12 +34106,15 @@
                     <a:p>
                       <a:pPr algn="l" fontAlgn="ctr"/>
                       <a:r>
-                        <a:rPr lang="nl-NL" b="0">
+                        <a:rPr lang="nl-NL">
                           <a:effectLst/>
-                          <a:latin typeface="inherit"/>
                         </a:rPr>
                         <a:t>type=”number”</a:t>
                       </a:r>
+                      <a:endParaRPr lang="nl-NL" b="0">
+                        <a:effectLst/>
+                        <a:latin typeface="inherit"/>
+                      </a:endParaRPr>
                     </a:p>
                   </a:txBody>
                   <a:tcPr marT="95250" marB="95250" anchor="ctr"/>
@@ -34081,12 +34133,15 @@
                     <a:p>
                       <a:pPr algn="l" fontAlgn="ctr"/>
                       <a:r>
-                        <a:rPr lang="nl-NL" b="0">
+                        <a:rPr lang="nl-NL">
                           <a:effectLst/>
-                          <a:latin typeface="inherit"/>
                         </a:rPr>
                         <a:t>Single, Double</a:t>
                       </a:r>
+                      <a:endParaRPr lang="nl-NL" b="0">
+                        <a:effectLst/>
+                        <a:latin typeface="inherit"/>
+                      </a:endParaRPr>
                     </a:p>
                   </a:txBody>
                   <a:tcPr marT="95250" marB="95250" anchor="ctr"/>
@@ -34098,12 +34153,15 @@
                     <a:p>
                       <a:pPr algn="l" fontAlgn="ctr"/>
                       <a:r>
-                        <a:rPr lang="nl-NL" b="0">
+                        <a:rPr lang="nl-NL">
                           <a:effectLst/>
-                          <a:latin typeface="inherit"/>
                         </a:rPr>
                         <a:t>type=”number”</a:t>
                       </a:r>
+                      <a:endParaRPr lang="nl-NL" b="0">
+                        <a:effectLst/>
+                        <a:latin typeface="inherit"/>
+                      </a:endParaRPr>
                     </a:p>
                   </a:txBody>
                   <a:tcPr marT="95250" marB="95250" anchor="ctr"/>
@@ -34122,12 +34180,15 @@
                     <a:p>
                       <a:pPr algn="l" fontAlgn="ctr"/>
                       <a:r>
-                        <a:rPr lang="nl-NL" b="0">
+                        <a:rPr lang="nl-NL">
                           <a:effectLst/>
-                          <a:latin typeface="inherit"/>
                         </a:rPr>
                         <a:t>Boolean</a:t>
                       </a:r>
+                      <a:endParaRPr lang="nl-NL" b="0">
+                        <a:effectLst/>
+                        <a:latin typeface="inherit"/>
+                      </a:endParaRPr>
                     </a:p>
                   </a:txBody>
                   <a:tcPr marT="95250" marB="95250" anchor="ctr"/>
@@ -34139,26 +34200,27 @@
                     <a:p>
                       <a:pPr algn="l" fontAlgn="ctr"/>
                       <a:r>
-                        <a:rPr lang="nl-NL" b="0" dirty="0">
+                        <a:rPr lang="nl-NL" dirty="0">
                           <a:effectLst/>
-                          <a:latin typeface="inherit"/>
                         </a:rPr>
                         <a:t>type=”</a:t>
                       </a:r>
                       <a:r>
-                        <a:rPr lang="nl-NL" b="0" dirty="0" err="1">
+                        <a:rPr lang="nl-NL" dirty="0" err="1">
                           <a:effectLst/>
-                          <a:latin typeface="inherit"/>
                         </a:rPr>
                         <a:t>checkbox</a:t>
                       </a:r>
                       <a:r>
-                        <a:rPr lang="nl-NL" b="0" dirty="0">
+                        <a:rPr lang="nl-NL" dirty="0">
                           <a:effectLst/>
-                          <a:latin typeface="inherit"/>
                         </a:rPr>
                         <a:t>”</a:t>
                       </a:r>
+                      <a:endParaRPr lang="nl-NL" b="0" dirty="0">
+                        <a:effectLst/>
+                        <a:latin typeface="inherit"/>
+                      </a:endParaRPr>
                     </a:p>
                   </a:txBody>
                   <a:tcPr marT="95250" marB="95250" anchor="ctr"/>
@@ -34278,7 +34340,11 @@
           </p:cNvGraphicFramePr>
           <p:nvPr>
             <p:ph idx="1"/>
-            <p:extLst/>
+            <p:extLst>
+              <p:ext uri="{D42A27DB-BD31-4B8C-83A1-F6EECF244321}">
+                <p14:modId xmlns:p14="http://schemas.microsoft.com/office/powerpoint/2010/main" val="1080199231"/>
+              </p:ext>
+            </p:extLst>
           </p:nvPr>
         </p:nvGraphicFramePr>
         <p:xfrm>
@@ -34289,7 +34355,7 @@
           <a:graphicData uri="http://schemas.openxmlformats.org/drawingml/2006/table">
             <a:tbl>
               <a:tblPr firstRow="1" bandRow="1">
-                <a:tableStyleId>{5C22544A-7EE6-4342-B048-85BDC9FD1C3A}</a:tableStyleId>
+                <a:tableStyleId>{93296810-A885-4BE3-A3E7-6D5BEEA58F35}</a:tableStyleId>
               </a:tblPr>
               <a:tblGrid>
                 <a:gridCol w="4114800">
@@ -34315,9 +34381,8 @@
                     <a:p>
                       <a:pPr algn="l" fontAlgn="ctr"/>
                       <a:r>
-                        <a:rPr lang="nl-NL" b="1" dirty="0" err="1">
+                        <a:rPr lang="nl-NL" dirty="0" err="1">
                           <a:effectLst/>
-                          <a:latin typeface="inherit"/>
                         </a:rPr>
                         <a:t>Attribute</a:t>
                       </a:r>
@@ -34336,12 +34401,15 @@
                     <a:p>
                       <a:pPr algn="l" fontAlgn="ctr"/>
                       <a:r>
-                        <a:rPr lang="nl-NL" b="1">
+                        <a:rPr lang="nl-NL">
                           <a:effectLst/>
-                          <a:latin typeface="inherit"/>
                         </a:rPr>
                         <a:t>Input Type</a:t>
                       </a:r>
+                      <a:endParaRPr lang="nl-NL" b="1">
+                        <a:effectLst/>
+                        <a:latin typeface="inherit"/>
+                      </a:endParaRPr>
                     </a:p>
                   </a:txBody>
                   <a:tcPr anchor="ctr"/>
@@ -34360,12 +34428,15 @@
                     <a:p>
                       <a:pPr algn="l" fontAlgn="ctr"/>
                       <a:r>
-                        <a:rPr lang="nl-NL" b="0">
+                        <a:rPr lang="nl-NL">
                           <a:effectLst/>
-                          <a:latin typeface="inherit"/>
                         </a:rPr>
                         <a:t>[EmailAddress]</a:t>
                       </a:r>
+                      <a:endParaRPr lang="nl-NL" b="0">
+                        <a:effectLst/>
+                        <a:latin typeface="inherit"/>
+                      </a:endParaRPr>
                     </a:p>
                   </a:txBody>
                   <a:tcPr marT="95250" marB="95250" anchor="ctr"/>
@@ -34377,12 +34448,15 @@
                     <a:p>
                       <a:pPr algn="l" fontAlgn="ctr"/>
                       <a:r>
-                        <a:rPr lang="nl-NL" b="0">
+                        <a:rPr lang="nl-NL">
                           <a:effectLst/>
-                          <a:latin typeface="inherit"/>
                         </a:rPr>
                         <a:t>type=”email”</a:t>
                       </a:r>
+                      <a:endParaRPr lang="nl-NL" b="0">
+                        <a:effectLst/>
+                        <a:latin typeface="inherit"/>
+                      </a:endParaRPr>
                     </a:p>
                   </a:txBody>
                   <a:tcPr marT="95250" marB="95250" anchor="ctr"/>
@@ -34401,12 +34475,15 @@
                     <a:p>
                       <a:pPr algn="l" fontAlgn="ctr"/>
                       <a:r>
-                        <a:rPr lang="nl-NL" b="0">
+                        <a:rPr lang="nl-NL">
                           <a:effectLst/>
-                          <a:latin typeface="inherit"/>
                         </a:rPr>
                         <a:t>[Url]</a:t>
                       </a:r>
+                      <a:endParaRPr lang="nl-NL" b="0">
+                        <a:effectLst/>
+                        <a:latin typeface="inherit"/>
+                      </a:endParaRPr>
                     </a:p>
                   </a:txBody>
                   <a:tcPr marT="95250" marB="95250" anchor="ctr"/>
@@ -34418,12 +34495,15 @@
                     <a:p>
                       <a:pPr algn="l" fontAlgn="ctr"/>
                       <a:r>
-                        <a:rPr lang="nl-NL" b="0">
+                        <a:rPr lang="nl-NL">
                           <a:effectLst/>
-                          <a:latin typeface="inherit"/>
                         </a:rPr>
                         <a:t>type=”url”</a:t>
                       </a:r>
+                      <a:endParaRPr lang="nl-NL" b="0">
+                        <a:effectLst/>
+                        <a:latin typeface="inherit"/>
+                      </a:endParaRPr>
                     </a:p>
                   </a:txBody>
                   <a:tcPr marT="95250" marB="95250" anchor="ctr"/>
@@ -34442,12 +34522,15 @@
                     <a:p>
                       <a:pPr algn="l" fontAlgn="ctr"/>
                       <a:r>
-                        <a:rPr lang="nl-NL" b="0">
+                        <a:rPr lang="nl-NL">
                           <a:effectLst/>
-                          <a:latin typeface="inherit"/>
                         </a:rPr>
                         <a:t>[HiddenInput]</a:t>
                       </a:r>
+                      <a:endParaRPr lang="nl-NL" b="0">
+                        <a:effectLst/>
+                        <a:latin typeface="inherit"/>
+                      </a:endParaRPr>
                     </a:p>
                   </a:txBody>
                   <a:tcPr marT="95250" marB="95250" anchor="ctr"/>
@@ -34459,12 +34542,15 @@
                     <a:p>
                       <a:pPr algn="l" fontAlgn="ctr"/>
                       <a:r>
-                        <a:rPr lang="nl-NL" b="0">
+                        <a:rPr lang="nl-NL">
                           <a:effectLst/>
-                          <a:latin typeface="inherit"/>
                         </a:rPr>
                         <a:t>type=”hidden”</a:t>
                       </a:r>
+                      <a:endParaRPr lang="nl-NL" b="0">
+                        <a:effectLst/>
+                        <a:latin typeface="inherit"/>
+                      </a:endParaRPr>
                     </a:p>
                   </a:txBody>
                   <a:tcPr marT="95250" marB="95250" anchor="ctr"/>
@@ -34483,12 +34569,15 @@
                     <a:p>
                       <a:pPr algn="l" fontAlgn="ctr"/>
                       <a:r>
-                        <a:rPr lang="nl-NL" b="0">
+                        <a:rPr lang="nl-NL">
                           <a:effectLst/>
-                          <a:latin typeface="inherit"/>
                         </a:rPr>
                         <a:t>[Phone]</a:t>
                       </a:r>
+                      <a:endParaRPr lang="nl-NL" b="0">
+                        <a:effectLst/>
+                        <a:latin typeface="inherit"/>
+                      </a:endParaRPr>
                     </a:p>
                   </a:txBody>
                   <a:tcPr marT="95250" marB="95250" anchor="ctr"/>
@@ -34500,12 +34589,15 @@
                     <a:p>
                       <a:pPr algn="l" fontAlgn="ctr"/>
                       <a:r>
-                        <a:rPr lang="nl-NL" b="0">
+                        <a:rPr lang="nl-NL">
                           <a:effectLst/>
-                          <a:latin typeface="inherit"/>
                         </a:rPr>
                         <a:t>type=”tel”</a:t>
                       </a:r>
+                      <a:endParaRPr lang="nl-NL" b="0">
+                        <a:effectLst/>
+                        <a:latin typeface="inherit"/>
+                      </a:endParaRPr>
                     </a:p>
                   </a:txBody>
                   <a:tcPr marT="95250" marB="95250" anchor="ctr"/>
@@ -34524,12 +34616,15 @@
                     <a:p>
                       <a:pPr algn="l" fontAlgn="ctr"/>
                       <a:r>
-                        <a:rPr lang="nl-NL" b="0">
+                        <a:rPr lang="nl-NL">
                           <a:effectLst/>
-                          <a:latin typeface="inherit"/>
                         </a:rPr>
                         <a:t>[DataType(DataType.Password)]</a:t>
                       </a:r>
+                      <a:endParaRPr lang="nl-NL" b="0">
+                        <a:effectLst/>
+                        <a:latin typeface="inherit"/>
+                      </a:endParaRPr>
                     </a:p>
                   </a:txBody>
                   <a:tcPr marT="95250" marB="95250" anchor="ctr"/>
@@ -34541,12 +34636,15 @@
                     <a:p>
                       <a:pPr algn="l" fontAlgn="ctr"/>
                       <a:r>
-                        <a:rPr lang="nl-NL" b="0">
+                        <a:rPr lang="nl-NL">
                           <a:effectLst/>
-                          <a:latin typeface="inherit"/>
                         </a:rPr>
                         <a:t>type=”password”</a:t>
                       </a:r>
+                      <a:endParaRPr lang="nl-NL" b="0">
+                        <a:effectLst/>
+                        <a:latin typeface="inherit"/>
+                      </a:endParaRPr>
                     </a:p>
                   </a:txBody>
                   <a:tcPr marT="95250" marB="95250" anchor="ctr"/>
@@ -34565,12 +34663,15 @@
                     <a:p>
                       <a:pPr algn="l" fontAlgn="ctr"/>
                       <a:r>
-                        <a:rPr lang="nl-NL" b="0">
+                        <a:rPr lang="nl-NL">
                           <a:effectLst/>
-                          <a:latin typeface="inherit"/>
                         </a:rPr>
                         <a:t>[DataType(DataType.Date)]</a:t>
                       </a:r>
+                      <a:endParaRPr lang="nl-NL" b="0">
+                        <a:effectLst/>
+                        <a:latin typeface="inherit"/>
+                      </a:endParaRPr>
                     </a:p>
                   </a:txBody>
                   <a:tcPr marT="95250" marB="95250" anchor="ctr"/>
@@ -34582,12 +34683,15 @@
                     <a:p>
                       <a:pPr algn="l" fontAlgn="ctr"/>
                       <a:r>
-                        <a:rPr lang="nl-NL" b="0">
+                        <a:rPr lang="nl-NL">
                           <a:effectLst/>
-                          <a:latin typeface="inherit"/>
                         </a:rPr>
                         <a:t>type=”date”</a:t>
                       </a:r>
+                      <a:endParaRPr lang="nl-NL" b="0">
+                        <a:effectLst/>
+                        <a:latin typeface="inherit"/>
+                      </a:endParaRPr>
                     </a:p>
                   </a:txBody>
                   <a:tcPr marT="95250" marB="95250" anchor="ctr"/>
@@ -34606,12 +34710,15 @@
                     <a:p>
                       <a:pPr algn="l" fontAlgn="ctr"/>
                       <a:r>
-                        <a:rPr lang="nl-NL" b="0">
+                        <a:rPr lang="nl-NL">
                           <a:effectLst/>
-                          <a:latin typeface="inherit"/>
                         </a:rPr>
                         <a:t>[DataType(DataType.Time)]</a:t>
                       </a:r>
+                      <a:endParaRPr lang="nl-NL" b="0">
+                        <a:effectLst/>
+                        <a:latin typeface="inherit"/>
+                      </a:endParaRPr>
                     </a:p>
                   </a:txBody>
                   <a:tcPr marT="95250" marB="95250" anchor="ctr"/>
@@ -34623,12 +34730,15 @@
                     <a:p>
                       <a:pPr algn="l" fontAlgn="ctr"/>
                       <a:r>
-                        <a:rPr lang="nl-NL" b="0" dirty="0">
+                        <a:rPr lang="nl-NL" dirty="0">
                           <a:effectLst/>
-                          <a:latin typeface="inherit"/>
                         </a:rPr>
                         <a:t>type=”time”</a:t>
                       </a:r>
+                      <a:endParaRPr lang="nl-NL" b="0" dirty="0">
+                        <a:effectLst/>
+                        <a:latin typeface="inherit"/>
+                      </a:endParaRPr>
                     </a:p>
                   </a:txBody>
                   <a:tcPr marT="95250" marB="95250" anchor="ctr"/>
